--- a/Observer.pptx
+++ b/Observer.pptx
@@ -12,6 +12,7 @@
     <p:sldId id="262" r:id="rId6"/>
     <p:sldId id="260" r:id="rId7"/>
     <p:sldId id="261" r:id="rId8"/>
+    <p:sldId id="263" r:id="rId9"/>
   </p:sldIdLst>
   <p:sldSz cx="12192000" cy="6858000"/>
   <p:notesSz cx="6858000" cy="9144000"/>
@@ -110,6 +111,11 @@
       </a:defRPr>
     </a:lvl9pPr>
   </p:defaultTextStyle>
+  <p:extLst>
+    <p:ext uri="{EFAFB233-063F-42B5-8137-9DF3F51BA10A}">
+      <p15:sldGuideLst xmlns:p15="http://schemas.microsoft.com/office/powerpoint/2012/main"/>
+    </p:ext>
+  </p:extLst>
 </p:presentation>
 </file>
 
@@ -313,7 +319,7 @@
           <a:p>
             <a:fld id="{E6300863-80CA-4763-B53C-5DA949A227C8}" type="datetimeFigureOut">
               <a:rPr lang="pt-BR" smtClean="0"/>
-              <a:t>17/10/2022</a:t>
+              <a:t>27/11/2022</a:t>
             </a:fld>
             <a:endParaRPr lang="pt-BR"/>
           </a:p>
@@ -503,7 +509,7 @@
           <a:p>
             <a:fld id="{E6300863-80CA-4763-B53C-5DA949A227C8}" type="datetimeFigureOut">
               <a:rPr lang="pt-BR" smtClean="0"/>
-              <a:t>17/10/2022</a:t>
+              <a:t>27/11/2022</a:t>
             </a:fld>
             <a:endParaRPr lang="pt-BR"/>
           </a:p>
@@ -683,7 +689,7 @@
           <a:p>
             <a:fld id="{E6300863-80CA-4763-B53C-5DA949A227C8}" type="datetimeFigureOut">
               <a:rPr lang="pt-BR" smtClean="0"/>
-              <a:t>17/10/2022</a:t>
+              <a:t>27/11/2022</a:t>
             </a:fld>
             <a:endParaRPr lang="pt-BR"/>
           </a:p>
@@ -853,7 +859,7 @@
           <a:p>
             <a:fld id="{E6300863-80CA-4763-B53C-5DA949A227C8}" type="datetimeFigureOut">
               <a:rPr lang="pt-BR" smtClean="0"/>
-              <a:t>17/10/2022</a:t>
+              <a:t>27/11/2022</a:t>
             </a:fld>
             <a:endParaRPr lang="pt-BR"/>
           </a:p>
@@ -1109,7 +1115,7 @@
           <a:p>
             <a:fld id="{E6300863-80CA-4763-B53C-5DA949A227C8}" type="datetimeFigureOut">
               <a:rPr lang="pt-BR" smtClean="0"/>
-              <a:t>17/10/2022</a:t>
+              <a:t>27/11/2022</a:t>
             </a:fld>
             <a:endParaRPr lang="pt-BR"/>
           </a:p>
@@ -1397,7 +1403,7 @@
           <a:p>
             <a:fld id="{E6300863-80CA-4763-B53C-5DA949A227C8}" type="datetimeFigureOut">
               <a:rPr lang="pt-BR" smtClean="0"/>
-              <a:t>17/10/2022</a:t>
+              <a:t>27/11/2022</a:t>
             </a:fld>
             <a:endParaRPr lang="pt-BR"/>
           </a:p>
@@ -1835,7 +1841,7 @@
           <a:p>
             <a:fld id="{E6300863-80CA-4763-B53C-5DA949A227C8}" type="datetimeFigureOut">
               <a:rPr lang="pt-BR" smtClean="0"/>
-              <a:t>17/10/2022</a:t>
+              <a:t>27/11/2022</a:t>
             </a:fld>
             <a:endParaRPr lang="pt-BR"/>
           </a:p>
@@ -1953,7 +1959,7 @@
           <a:p>
             <a:fld id="{E6300863-80CA-4763-B53C-5DA949A227C8}" type="datetimeFigureOut">
               <a:rPr lang="pt-BR" smtClean="0"/>
-              <a:t>17/10/2022</a:t>
+              <a:t>27/11/2022</a:t>
             </a:fld>
             <a:endParaRPr lang="pt-BR"/>
           </a:p>
@@ -2048,7 +2054,7 @@
           <a:p>
             <a:fld id="{E6300863-80CA-4763-B53C-5DA949A227C8}" type="datetimeFigureOut">
               <a:rPr lang="pt-BR" smtClean="0"/>
-              <a:t>17/10/2022</a:t>
+              <a:t>27/11/2022</a:t>
             </a:fld>
             <a:endParaRPr lang="pt-BR"/>
           </a:p>
@@ -2404,7 +2410,7 @@
           <a:p>
             <a:fld id="{E6300863-80CA-4763-B53C-5DA949A227C8}" type="datetimeFigureOut">
               <a:rPr lang="pt-BR" smtClean="0"/>
-              <a:t>17/10/2022</a:t>
+              <a:t>27/11/2022</a:t>
             </a:fld>
             <a:endParaRPr lang="pt-BR"/>
           </a:p>
@@ -2720,7 +2726,7 @@
           <a:p>
             <a:fld id="{E6300863-80CA-4763-B53C-5DA949A227C8}" type="datetimeFigureOut">
               <a:rPr lang="pt-BR" smtClean="0"/>
-              <a:t>17/10/2022</a:t>
+              <a:t>27/11/2022</a:t>
             </a:fld>
             <a:endParaRPr lang="pt-BR"/>
           </a:p>
@@ -2953,7 +2959,7 @@
           <a:p>
             <a:fld id="{E6300863-80CA-4763-B53C-5DA949A227C8}" type="datetimeFigureOut">
               <a:rPr lang="pt-BR" smtClean="0"/>
-              <a:t>17/10/2022</a:t>
+              <a:t>27/11/2022</a:t>
             </a:fld>
             <a:endParaRPr lang="pt-BR"/>
           </a:p>
@@ -4256,6 +4262,116 @@
 </p:sld>
 </file>
 
+<file path=ppt/slides/slide8.xml><?xml version="1.0" encoding="utf-8"?>
+<p:sld xmlns:a="http://schemas.openxmlformats.org/drawingml/2006/main" xmlns:r="http://schemas.openxmlformats.org/officeDocument/2006/relationships" xmlns:p="http://schemas.openxmlformats.org/presentationml/2006/main">
+  <p:cSld>
+    <p:spTree>
+      <p:nvGrpSpPr>
+        <p:cNvPr id="1" name=""/>
+        <p:cNvGrpSpPr/>
+        <p:nvPr/>
+      </p:nvGrpSpPr>
+      <p:grpSpPr>
+        <a:xfrm>
+          <a:off x="0" y="0"/>
+          <a:ext cx="0" cy="0"/>
+          <a:chOff x="0" y="0"/>
+          <a:chExt cx="0" cy="0"/>
+        </a:xfrm>
+      </p:grpSpPr>
+      <p:sp>
+        <p:nvSpPr>
+          <p:cNvPr id="7" name="Título 6">
+            <a:extLst>
+              <a:ext uri="{FF2B5EF4-FFF2-40B4-BE49-F238E27FC236}">
+                <a16:creationId xmlns:a16="http://schemas.microsoft.com/office/drawing/2014/main" id="{4F894A9B-DBF2-F5DC-4B73-47DBD4B2103D}"/>
+              </a:ext>
+            </a:extLst>
+          </p:cNvPr>
+          <p:cNvSpPr>
+            <a:spLocks noGrp="1"/>
+          </p:cNvSpPr>
+          <p:nvPr>
+            <p:ph type="title"/>
+          </p:nvPr>
+        </p:nvSpPr>
+        <p:spPr/>
+        <p:txBody>
+          <a:bodyPr/>
+          <a:lstStyle/>
+          <a:p>
+            <a:r>
+              <a:rPr lang="pt-BR" dirty="0"/>
+              <a:t>Referências</a:t>
+            </a:r>
+          </a:p>
+        </p:txBody>
+      </p:sp>
+      <p:sp>
+        <p:nvSpPr>
+          <p:cNvPr id="8" name="Espaço Reservado para Conteúdo 7">
+            <a:extLst>
+              <a:ext uri="{FF2B5EF4-FFF2-40B4-BE49-F238E27FC236}">
+                <a16:creationId xmlns:a16="http://schemas.microsoft.com/office/drawing/2014/main" id="{7541F720-ED73-53CA-C253-47DCCA7FCB1E}"/>
+              </a:ext>
+            </a:extLst>
+          </p:cNvPr>
+          <p:cNvSpPr>
+            <a:spLocks noGrp="1"/>
+          </p:cNvSpPr>
+          <p:nvPr>
+            <p:ph idx="1"/>
+          </p:nvPr>
+        </p:nvSpPr>
+        <p:spPr/>
+        <p:txBody>
+          <a:bodyPr/>
+          <a:lstStyle/>
+          <a:p>
+            <a:r>
+              <a:rPr lang="pt-BR" dirty="0">
+                <a:hlinkClick r:id="rId2"/>
+              </a:rPr>
+              <a:t>https://refactoring.guru/pt-br/design-patterns/observer</a:t>
+            </a:r>
+            <a:endParaRPr lang="pt-BR" dirty="0"/>
+          </a:p>
+          <a:p>
+            <a:r>
+              <a:rPr lang="pt-BR" dirty="0">
+                <a:hlinkClick r:id="rId3"/>
+              </a:rPr>
+              <a:t>https://www.devmedia.com.br/padrao-de-projeto-observer-em-java/26163</a:t>
+            </a:r>
+            <a:endParaRPr lang="pt-BR" dirty="0"/>
+          </a:p>
+          <a:p>
+            <a:r>
+              <a:rPr lang="pt-BR">
+                <a:hlinkClick r:id="rId4"/>
+              </a:rPr>
+              <a:t>https://www.thiengo.com.br/padrao-de-projeto-observer</a:t>
+            </a:r>
+            <a:endParaRPr lang="pt-BR"/>
+          </a:p>
+          <a:p>
+            <a:endParaRPr lang="pt-BR" dirty="0"/>
+          </a:p>
+        </p:txBody>
+      </p:sp>
+    </p:spTree>
+    <p:extLst>
+      <p:ext uri="{BB962C8B-B14F-4D97-AF65-F5344CB8AC3E}">
+        <p14:creationId xmlns:p14="http://schemas.microsoft.com/office/powerpoint/2010/main" val="2231145052"/>
+      </p:ext>
+    </p:extLst>
+  </p:cSld>
+  <p:clrMapOvr>
+    <a:masterClrMapping/>
+  </p:clrMapOvr>
+</p:sld>
+</file>
+
 <file path=ppt/theme/theme1.xml><?xml version="1.0" encoding="utf-8"?>
 <a:theme xmlns:a="http://schemas.openxmlformats.org/drawingml/2006/main" name="Metropolitano">
   <a:themeElements>
